--- a/ppt 16-9/0571.赞美从心而出.pptx
+++ b/ppt 16-9/0571.赞美从心而出.pptx
@@ -129,7 +129,7 @@
           <p:cNvPr id="2" name="标题 1">
             <a:extLst>
               <a:ext uri="{FF2B5EF4-FFF2-40B4-BE49-F238E27FC236}">
-                <a16:creationId xmlns:a16="http://schemas.microsoft.com/office/drawing/2014/main" id="{C296AC5D-B55D-4C49-F0D2-4F0423C113CD}"/>
+                <a16:creationId xmlns:a16="http://schemas.microsoft.com/office/drawing/2014/main" id="{7EA14843-B897-7598-8846-781BA1CF4CF2}"/>
               </a:ext>
             </a:extLst>
           </p:cNvPr>
@@ -166,7 +166,7 @@
           <p:cNvPr id="3" name="副标题 2">
             <a:extLst>
               <a:ext uri="{FF2B5EF4-FFF2-40B4-BE49-F238E27FC236}">
-                <a16:creationId xmlns:a16="http://schemas.microsoft.com/office/drawing/2014/main" id="{9D3ECBDD-6843-869D-83A7-148EF5536568}"/>
+                <a16:creationId xmlns:a16="http://schemas.microsoft.com/office/drawing/2014/main" id="{B4C68E64-3C8E-E30A-4A03-66507C170604}"/>
               </a:ext>
             </a:extLst>
           </p:cNvPr>
@@ -236,7 +236,7 @@
           <p:cNvPr id="4" name="日期占位符 3">
             <a:extLst>
               <a:ext uri="{FF2B5EF4-FFF2-40B4-BE49-F238E27FC236}">
-                <a16:creationId xmlns:a16="http://schemas.microsoft.com/office/drawing/2014/main" id="{97716948-AF72-DEF6-5A99-C5B0CAFDF26C}"/>
+                <a16:creationId xmlns:a16="http://schemas.microsoft.com/office/drawing/2014/main" id="{DF990363-E03E-67A1-CB28-7FFC234B2470}"/>
               </a:ext>
             </a:extLst>
           </p:cNvPr>
@@ -252,7 +252,7 @@
           <a:bodyPr/>
           <a:lstStyle/>
           <a:p>
-            <a:fld id="{BA7720A2-1A0B-479A-84E8-E412804A79B9}" type="datetimeFigureOut">
+            <a:fld id="{441F38B8-6DD3-4FEB-8382-719EC25CAAB8}" type="datetimeFigureOut">
               <a:rPr lang="zh-CN" altLang="en-US" smtClean="0"/>
               <a:t>2024/3/10</a:t>
             </a:fld>
@@ -265,7 +265,7 @@
           <p:cNvPr id="5" name="页脚占位符 4">
             <a:extLst>
               <a:ext uri="{FF2B5EF4-FFF2-40B4-BE49-F238E27FC236}">
-                <a16:creationId xmlns:a16="http://schemas.microsoft.com/office/drawing/2014/main" id="{2CD628B6-07E9-9CA2-CA41-524A793AEE78}"/>
+                <a16:creationId xmlns:a16="http://schemas.microsoft.com/office/drawing/2014/main" id="{894EDD43-9BB5-4E73-4B3B-9BC75A0CC267}"/>
               </a:ext>
             </a:extLst>
           </p:cNvPr>
@@ -290,7 +290,7 @@
           <p:cNvPr id="6" name="灯片编号占位符 5">
             <a:extLst>
               <a:ext uri="{FF2B5EF4-FFF2-40B4-BE49-F238E27FC236}">
-                <a16:creationId xmlns:a16="http://schemas.microsoft.com/office/drawing/2014/main" id="{284BE217-48FA-5FB1-339E-D0DF254DB73B}"/>
+                <a16:creationId xmlns:a16="http://schemas.microsoft.com/office/drawing/2014/main" id="{78968C7F-6B44-7B89-D8F4-E4CE708E065F}"/>
               </a:ext>
             </a:extLst>
           </p:cNvPr>
@@ -306,7 +306,7 @@
           <a:bodyPr/>
           <a:lstStyle/>
           <a:p>
-            <a:fld id="{768202D6-2CBD-4905-BDB6-B947C81D4F40}" type="slidenum">
+            <a:fld id="{8D63121D-EE7D-4CB5-98EB-04417299F753}" type="slidenum">
               <a:rPr lang="zh-CN" altLang="en-US" smtClean="0"/>
               <a:t>‹#›</a:t>
             </a:fld>
@@ -317,7 +317,7 @@
     </p:spTree>
     <p:extLst>
       <p:ext uri="{BB962C8B-B14F-4D97-AF65-F5344CB8AC3E}">
-        <p14:creationId xmlns:p14="http://schemas.microsoft.com/office/powerpoint/2010/main" val="3767650363"/>
+        <p14:creationId xmlns:p14="http://schemas.microsoft.com/office/powerpoint/2010/main" val="480637335"/>
       </p:ext>
     </p:extLst>
   </p:cSld>
@@ -349,7 +349,7 @@
           <p:cNvPr id="2" name="标题 1">
             <a:extLst>
               <a:ext uri="{FF2B5EF4-FFF2-40B4-BE49-F238E27FC236}">
-                <a16:creationId xmlns:a16="http://schemas.microsoft.com/office/drawing/2014/main" id="{12662AC4-B901-B134-CAD3-6EE3F3C1084B}"/>
+                <a16:creationId xmlns:a16="http://schemas.microsoft.com/office/drawing/2014/main" id="{9A91DF0B-7E82-E84E-21D0-002B9F746125}"/>
               </a:ext>
             </a:extLst>
           </p:cNvPr>
@@ -377,7 +377,7 @@
           <p:cNvPr id="3" name="竖排文字占位符 2">
             <a:extLst>
               <a:ext uri="{FF2B5EF4-FFF2-40B4-BE49-F238E27FC236}">
-                <a16:creationId xmlns:a16="http://schemas.microsoft.com/office/drawing/2014/main" id="{CF4A561D-EBBD-48DD-0B51-888A5B14F73A}"/>
+                <a16:creationId xmlns:a16="http://schemas.microsoft.com/office/drawing/2014/main" id="{3E1C834A-12BF-4AC3-7FEE-B8FC14FD1A8D}"/>
               </a:ext>
             </a:extLst>
           </p:cNvPr>
@@ -434,7 +434,7 @@
           <p:cNvPr id="4" name="日期占位符 3">
             <a:extLst>
               <a:ext uri="{FF2B5EF4-FFF2-40B4-BE49-F238E27FC236}">
-                <a16:creationId xmlns:a16="http://schemas.microsoft.com/office/drawing/2014/main" id="{D7FAF73D-E928-576A-ADF7-B8A4D642EB71}"/>
+                <a16:creationId xmlns:a16="http://schemas.microsoft.com/office/drawing/2014/main" id="{3A3B3CB3-5B41-E088-71C7-46B57AE953E7}"/>
               </a:ext>
             </a:extLst>
           </p:cNvPr>
@@ -450,7 +450,7 @@
           <a:bodyPr/>
           <a:lstStyle/>
           <a:p>
-            <a:fld id="{BA7720A2-1A0B-479A-84E8-E412804A79B9}" type="datetimeFigureOut">
+            <a:fld id="{441F38B8-6DD3-4FEB-8382-719EC25CAAB8}" type="datetimeFigureOut">
               <a:rPr lang="zh-CN" altLang="en-US" smtClean="0"/>
               <a:t>2024/3/10</a:t>
             </a:fld>
@@ -463,7 +463,7 @@
           <p:cNvPr id="5" name="页脚占位符 4">
             <a:extLst>
               <a:ext uri="{FF2B5EF4-FFF2-40B4-BE49-F238E27FC236}">
-                <a16:creationId xmlns:a16="http://schemas.microsoft.com/office/drawing/2014/main" id="{3AEAB4AA-1421-516D-EE16-B0A8E1C1944F}"/>
+                <a16:creationId xmlns:a16="http://schemas.microsoft.com/office/drawing/2014/main" id="{CD0ECE9B-EBAA-5E22-00AC-56FA9628174E}"/>
               </a:ext>
             </a:extLst>
           </p:cNvPr>
@@ -488,7 +488,7 @@
           <p:cNvPr id="6" name="灯片编号占位符 5">
             <a:extLst>
               <a:ext uri="{FF2B5EF4-FFF2-40B4-BE49-F238E27FC236}">
-                <a16:creationId xmlns:a16="http://schemas.microsoft.com/office/drawing/2014/main" id="{716052BB-564E-8761-8A95-D96646219D05}"/>
+                <a16:creationId xmlns:a16="http://schemas.microsoft.com/office/drawing/2014/main" id="{42F727AC-EFB2-ABA1-5E7D-0084DBC18AFF}"/>
               </a:ext>
             </a:extLst>
           </p:cNvPr>
@@ -504,7 +504,7 @@
           <a:bodyPr/>
           <a:lstStyle/>
           <a:p>
-            <a:fld id="{768202D6-2CBD-4905-BDB6-B947C81D4F40}" type="slidenum">
+            <a:fld id="{8D63121D-EE7D-4CB5-98EB-04417299F753}" type="slidenum">
               <a:rPr lang="zh-CN" altLang="en-US" smtClean="0"/>
               <a:t>‹#›</a:t>
             </a:fld>
@@ -515,7 +515,7 @@
     </p:spTree>
     <p:extLst>
       <p:ext uri="{BB962C8B-B14F-4D97-AF65-F5344CB8AC3E}">
-        <p14:creationId xmlns:p14="http://schemas.microsoft.com/office/powerpoint/2010/main" val="945355785"/>
+        <p14:creationId xmlns:p14="http://schemas.microsoft.com/office/powerpoint/2010/main" val="537377382"/>
       </p:ext>
     </p:extLst>
   </p:cSld>
@@ -547,7 +547,7 @@
           <p:cNvPr id="2" name="竖排标题 1">
             <a:extLst>
               <a:ext uri="{FF2B5EF4-FFF2-40B4-BE49-F238E27FC236}">
-                <a16:creationId xmlns:a16="http://schemas.microsoft.com/office/drawing/2014/main" id="{60FECDAC-3DB7-4AC1-0D85-83D053A19B7F}"/>
+                <a16:creationId xmlns:a16="http://schemas.microsoft.com/office/drawing/2014/main" id="{4D33DC70-20FC-EFCF-4CE2-70B515BBAF37}"/>
               </a:ext>
             </a:extLst>
           </p:cNvPr>
@@ -580,7 +580,7 @@
           <p:cNvPr id="3" name="竖排文字占位符 2">
             <a:extLst>
               <a:ext uri="{FF2B5EF4-FFF2-40B4-BE49-F238E27FC236}">
-                <a16:creationId xmlns:a16="http://schemas.microsoft.com/office/drawing/2014/main" id="{77CF9D6D-4092-0679-D100-5263A472A135}"/>
+                <a16:creationId xmlns:a16="http://schemas.microsoft.com/office/drawing/2014/main" id="{E76EC204-32B3-6519-488C-EB38ABB7B3FF}"/>
               </a:ext>
             </a:extLst>
           </p:cNvPr>
@@ -642,7 +642,7 @@
           <p:cNvPr id="4" name="日期占位符 3">
             <a:extLst>
               <a:ext uri="{FF2B5EF4-FFF2-40B4-BE49-F238E27FC236}">
-                <a16:creationId xmlns:a16="http://schemas.microsoft.com/office/drawing/2014/main" id="{8CCC0D11-E1C6-99E1-DFAD-A268495ED93F}"/>
+                <a16:creationId xmlns:a16="http://schemas.microsoft.com/office/drawing/2014/main" id="{0DDE8A38-ADCB-7F16-4DEA-C6B6E9F05A3E}"/>
               </a:ext>
             </a:extLst>
           </p:cNvPr>
@@ -658,7 +658,7 @@
           <a:bodyPr/>
           <a:lstStyle/>
           <a:p>
-            <a:fld id="{BA7720A2-1A0B-479A-84E8-E412804A79B9}" type="datetimeFigureOut">
+            <a:fld id="{441F38B8-6DD3-4FEB-8382-719EC25CAAB8}" type="datetimeFigureOut">
               <a:rPr lang="zh-CN" altLang="en-US" smtClean="0"/>
               <a:t>2024/3/10</a:t>
             </a:fld>
@@ -671,7 +671,7 @@
           <p:cNvPr id="5" name="页脚占位符 4">
             <a:extLst>
               <a:ext uri="{FF2B5EF4-FFF2-40B4-BE49-F238E27FC236}">
-                <a16:creationId xmlns:a16="http://schemas.microsoft.com/office/drawing/2014/main" id="{FEB223BF-CCAD-ED89-2BCF-B24B1DBB173B}"/>
+                <a16:creationId xmlns:a16="http://schemas.microsoft.com/office/drawing/2014/main" id="{BEBE27F7-D9AB-1EB4-A768-C3E6F34A7282}"/>
               </a:ext>
             </a:extLst>
           </p:cNvPr>
@@ -696,7 +696,7 @@
           <p:cNvPr id="6" name="灯片编号占位符 5">
             <a:extLst>
               <a:ext uri="{FF2B5EF4-FFF2-40B4-BE49-F238E27FC236}">
-                <a16:creationId xmlns:a16="http://schemas.microsoft.com/office/drawing/2014/main" id="{B579AA69-787E-FC63-19A6-A849319A4DB7}"/>
+                <a16:creationId xmlns:a16="http://schemas.microsoft.com/office/drawing/2014/main" id="{ABB625D0-EA59-DCFC-7385-7E70C7F5FA53}"/>
               </a:ext>
             </a:extLst>
           </p:cNvPr>
@@ -712,7 +712,7 @@
           <a:bodyPr/>
           <a:lstStyle/>
           <a:p>
-            <a:fld id="{768202D6-2CBD-4905-BDB6-B947C81D4F40}" type="slidenum">
+            <a:fld id="{8D63121D-EE7D-4CB5-98EB-04417299F753}" type="slidenum">
               <a:rPr lang="zh-CN" altLang="en-US" smtClean="0"/>
               <a:t>‹#›</a:t>
             </a:fld>
@@ -723,7 +723,7 @@
     </p:spTree>
     <p:extLst>
       <p:ext uri="{BB962C8B-B14F-4D97-AF65-F5344CB8AC3E}">
-        <p14:creationId xmlns:p14="http://schemas.microsoft.com/office/powerpoint/2010/main" val="2447546091"/>
+        <p14:creationId xmlns:p14="http://schemas.microsoft.com/office/powerpoint/2010/main" val="1497694265"/>
       </p:ext>
     </p:extLst>
   </p:cSld>
@@ -755,7 +755,7 @@
           <p:cNvPr id="2" name="标题 1">
             <a:extLst>
               <a:ext uri="{FF2B5EF4-FFF2-40B4-BE49-F238E27FC236}">
-                <a16:creationId xmlns:a16="http://schemas.microsoft.com/office/drawing/2014/main" id="{44FC856D-5FC1-47A7-B48B-CCA78D61DE2B}"/>
+                <a16:creationId xmlns:a16="http://schemas.microsoft.com/office/drawing/2014/main" id="{E6586AD8-E082-7FC0-99E4-3C60F444CE10}"/>
               </a:ext>
             </a:extLst>
           </p:cNvPr>
@@ -783,7 +783,7 @@
           <p:cNvPr id="3" name="内容占位符 2">
             <a:extLst>
               <a:ext uri="{FF2B5EF4-FFF2-40B4-BE49-F238E27FC236}">
-                <a16:creationId xmlns:a16="http://schemas.microsoft.com/office/drawing/2014/main" id="{1C434DA4-92B9-BA55-BF44-BD9283B4DCB2}"/>
+                <a16:creationId xmlns:a16="http://schemas.microsoft.com/office/drawing/2014/main" id="{E82EA40A-0C61-C3B4-8DDB-87C7CB375DE7}"/>
               </a:ext>
             </a:extLst>
           </p:cNvPr>
@@ -840,7 +840,7 @@
           <p:cNvPr id="4" name="日期占位符 3">
             <a:extLst>
               <a:ext uri="{FF2B5EF4-FFF2-40B4-BE49-F238E27FC236}">
-                <a16:creationId xmlns:a16="http://schemas.microsoft.com/office/drawing/2014/main" id="{CE543B04-F2FB-092B-C3D1-44423FE93068}"/>
+                <a16:creationId xmlns:a16="http://schemas.microsoft.com/office/drawing/2014/main" id="{89260914-1DDE-F81C-B3FB-CEA7B8A431E0}"/>
               </a:ext>
             </a:extLst>
           </p:cNvPr>
@@ -856,7 +856,7 @@
           <a:bodyPr/>
           <a:lstStyle/>
           <a:p>
-            <a:fld id="{BA7720A2-1A0B-479A-84E8-E412804A79B9}" type="datetimeFigureOut">
+            <a:fld id="{441F38B8-6DD3-4FEB-8382-719EC25CAAB8}" type="datetimeFigureOut">
               <a:rPr lang="zh-CN" altLang="en-US" smtClean="0"/>
               <a:t>2024/3/10</a:t>
             </a:fld>
@@ -869,7 +869,7 @@
           <p:cNvPr id="5" name="页脚占位符 4">
             <a:extLst>
               <a:ext uri="{FF2B5EF4-FFF2-40B4-BE49-F238E27FC236}">
-                <a16:creationId xmlns:a16="http://schemas.microsoft.com/office/drawing/2014/main" id="{BF79630B-A06D-1FA3-1777-0ADA284EE226}"/>
+                <a16:creationId xmlns:a16="http://schemas.microsoft.com/office/drawing/2014/main" id="{54021A97-5837-1FC0-9633-C505EA331F3C}"/>
               </a:ext>
             </a:extLst>
           </p:cNvPr>
@@ -894,7 +894,7 @@
           <p:cNvPr id="6" name="灯片编号占位符 5">
             <a:extLst>
               <a:ext uri="{FF2B5EF4-FFF2-40B4-BE49-F238E27FC236}">
-                <a16:creationId xmlns:a16="http://schemas.microsoft.com/office/drawing/2014/main" id="{B5B96C1F-97A7-B03E-3B64-D8AE9011FC79}"/>
+                <a16:creationId xmlns:a16="http://schemas.microsoft.com/office/drawing/2014/main" id="{B012F5F4-D791-CA21-E9F9-DEEB721B098A}"/>
               </a:ext>
             </a:extLst>
           </p:cNvPr>
@@ -910,7 +910,7 @@
           <a:bodyPr/>
           <a:lstStyle/>
           <a:p>
-            <a:fld id="{768202D6-2CBD-4905-BDB6-B947C81D4F40}" type="slidenum">
+            <a:fld id="{8D63121D-EE7D-4CB5-98EB-04417299F753}" type="slidenum">
               <a:rPr lang="zh-CN" altLang="en-US" smtClean="0"/>
               <a:t>‹#›</a:t>
             </a:fld>
@@ -921,7 +921,7 @@
     </p:spTree>
     <p:extLst>
       <p:ext uri="{BB962C8B-B14F-4D97-AF65-F5344CB8AC3E}">
-        <p14:creationId xmlns:p14="http://schemas.microsoft.com/office/powerpoint/2010/main" val="1819639281"/>
+        <p14:creationId xmlns:p14="http://schemas.microsoft.com/office/powerpoint/2010/main" val="4280659438"/>
       </p:ext>
     </p:extLst>
   </p:cSld>
@@ -953,7 +953,7 @@
           <p:cNvPr id="2" name="标题 1">
             <a:extLst>
               <a:ext uri="{FF2B5EF4-FFF2-40B4-BE49-F238E27FC236}">
-                <a16:creationId xmlns:a16="http://schemas.microsoft.com/office/drawing/2014/main" id="{F0AC8AD7-042F-0C4E-B337-6FD1A073361E}"/>
+                <a16:creationId xmlns:a16="http://schemas.microsoft.com/office/drawing/2014/main" id="{8F628063-0A07-9269-3EA5-A297A2D8E236}"/>
               </a:ext>
             </a:extLst>
           </p:cNvPr>
@@ -990,7 +990,7 @@
           <p:cNvPr id="3" name="文本占位符 2">
             <a:extLst>
               <a:ext uri="{FF2B5EF4-FFF2-40B4-BE49-F238E27FC236}">
-                <a16:creationId xmlns:a16="http://schemas.microsoft.com/office/drawing/2014/main" id="{31CB8F88-1290-5AFE-C807-EBED83A6570A}"/>
+                <a16:creationId xmlns:a16="http://schemas.microsoft.com/office/drawing/2014/main" id="{F457AE9E-0EE4-0BA4-FB7B-08CDEF8BBB82}"/>
               </a:ext>
             </a:extLst>
           </p:cNvPr>
@@ -1115,7 +1115,7 @@
           <p:cNvPr id="4" name="日期占位符 3">
             <a:extLst>
               <a:ext uri="{FF2B5EF4-FFF2-40B4-BE49-F238E27FC236}">
-                <a16:creationId xmlns:a16="http://schemas.microsoft.com/office/drawing/2014/main" id="{EDDDAD15-B1AD-1411-B89D-754ADDB56CB2}"/>
+                <a16:creationId xmlns:a16="http://schemas.microsoft.com/office/drawing/2014/main" id="{F0B6167A-7D69-44A1-5EEA-7F73C6993395}"/>
               </a:ext>
             </a:extLst>
           </p:cNvPr>
@@ -1131,7 +1131,7 @@
           <a:bodyPr/>
           <a:lstStyle/>
           <a:p>
-            <a:fld id="{BA7720A2-1A0B-479A-84E8-E412804A79B9}" type="datetimeFigureOut">
+            <a:fld id="{441F38B8-6DD3-4FEB-8382-719EC25CAAB8}" type="datetimeFigureOut">
               <a:rPr lang="zh-CN" altLang="en-US" smtClean="0"/>
               <a:t>2024/3/10</a:t>
             </a:fld>
@@ -1144,7 +1144,7 @@
           <p:cNvPr id="5" name="页脚占位符 4">
             <a:extLst>
               <a:ext uri="{FF2B5EF4-FFF2-40B4-BE49-F238E27FC236}">
-                <a16:creationId xmlns:a16="http://schemas.microsoft.com/office/drawing/2014/main" id="{E01A9759-87FF-E5EB-9537-BC75EFCE9358}"/>
+                <a16:creationId xmlns:a16="http://schemas.microsoft.com/office/drawing/2014/main" id="{84C02FD9-8044-214A-AA74-987860D84132}"/>
               </a:ext>
             </a:extLst>
           </p:cNvPr>
@@ -1169,7 +1169,7 @@
           <p:cNvPr id="6" name="灯片编号占位符 5">
             <a:extLst>
               <a:ext uri="{FF2B5EF4-FFF2-40B4-BE49-F238E27FC236}">
-                <a16:creationId xmlns:a16="http://schemas.microsoft.com/office/drawing/2014/main" id="{7B0DA852-72D2-57E3-5636-5D29FE279161}"/>
+                <a16:creationId xmlns:a16="http://schemas.microsoft.com/office/drawing/2014/main" id="{860C1F27-C7CE-1148-4426-07D0E1CEFC83}"/>
               </a:ext>
             </a:extLst>
           </p:cNvPr>
@@ -1185,7 +1185,7 @@
           <a:bodyPr/>
           <a:lstStyle/>
           <a:p>
-            <a:fld id="{768202D6-2CBD-4905-BDB6-B947C81D4F40}" type="slidenum">
+            <a:fld id="{8D63121D-EE7D-4CB5-98EB-04417299F753}" type="slidenum">
               <a:rPr lang="zh-CN" altLang="en-US" smtClean="0"/>
               <a:t>‹#›</a:t>
             </a:fld>
@@ -1196,7 +1196,7 @@
     </p:spTree>
     <p:extLst>
       <p:ext uri="{BB962C8B-B14F-4D97-AF65-F5344CB8AC3E}">
-        <p14:creationId xmlns:p14="http://schemas.microsoft.com/office/powerpoint/2010/main" val="2964893576"/>
+        <p14:creationId xmlns:p14="http://schemas.microsoft.com/office/powerpoint/2010/main" val="3694228039"/>
       </p:ext>
     </p:extLst>
   </p:cSld>
@@ -1228,7 +1228,7 @@
           <p:cNvPr id="2" name="标题 1">
             <a:extLst>
               <a:ext uri="{FF2B5EF4-FFF2-40B4-BE49-F238E27FC236}">
-                <a16:creationId xmlns:a16="http://schemas.microsoft.com/office/drawing/2014/main" id="{14F72935-70F1-A363-A7DA-B11299A08F9A}"/>
+                <a16:creationId xmlns:a16="http://schemas.microsoft.com/office/drawing/2014/main" id="{C452DC82-E79B-6570-4332-4F3908C4190E}"/>
               </a:ext>
             </a:extLst>
           </p:cNvPr>
@@ -1256,7 +1256,7 @@
           <p:cNvPr id="3" name="内容占位符 2">
             <a:extLst>
               <a:ext uri="{FF2B5EF4-FFF2-40B4-BE49-F238E27FC236}">
-                <a16:creationId xmlns:a16="http://schemas.microsoft.com/office/drawing/2014/main" id="{DCCE8A67-61F6-9D9C-97F2-F8266D596AB0}"/>
+                <a16:creationId xmlns:a16="http://schemas.microsoft.com/office/drawing/2014/main" id="{C594BCD9-2CCF-2E2B-A44D-1955E83ED53F}"/>
               </a:ext>
             </a:extLst>
           </p:cNvPr>
@@ -1318,7 +1318,7 @@
           <p:cNvPr id="4" name="内容占位符 3">
             <a:extLst>
               <a:ext uri="{FF2B5EF4-FFF2-40B4-BE49-F238E27FC236}">
-                <a16:creationId xmlns:a16="http://schemas.microsoft.com/office/drawing/2014/main" id="{4A59A206-60BD-9D6B-C996-5072252DADB6}"/>
+                <a16:creationId xmlns:a16="http://schemas.microsoft.com/office/drawing/2014/main" id="{BF55D17D-9C00-99A9-9BC6-3ACA43783B36}"/>
               </a:ext>
             </a:extLst>
           </p:cNvPr>
@@ -1380,7 +1380,7 @@
           <p:cNvPr id="5" name="日期占位符 4">
             <a:extLst>
               <a:ext uri="{FF2B5EF4-FFF2-40B4-BE49-F238E27FC236}">
-                <a16:creationId xmlns:a16="http://schemas.microsoft.com/office/drawing/2014/main" id="{06092B81-C8B0-2EA9-B2F9-7E2C7166A728}"/>
+                <a16:creationId xmlns:a16="http://schemas.microsoft.com/office/drawing/2014/main" id="{838AB94B-31E1-1A4D-665C-4AAB717CF8B5}"/>
               </a:ext>
             </a:extLst>
           </p:cNvPr>
@@ -1396,7 +1396,7 @@
           <a:bodyPr/>
           <a:lstStyle/>
           <a:p>
-            <a:fld id="{BA7720A2-1A0B-479A-84E8-E412804A79B9}" type="datetimeFigureOut">
+            <a:fld id="{441F38B8-6DD3-4FEB-8382-719EC25CAAB8}" type="datetimeFigureOut">
               <a:rPr lang="zh-CN" altLang="en-US" smtClean="0"/>
               <a:t>2024/3/10</a:t>
             </a:fld>
@@ -1409,7 +1409,7 @@
           <p:cNvPr id="6" name="页脚占位符 5">
             <a:extLst>
               <a:ext uri="{FF2B5EF4-FFF2-40B4-BE49-F238E27FC236}">
-                <a16:creationId xmlns:a16="http://schemas.microsoft.com/office/drawing/2014/main" id="{1E099EB4-3832-B707-A918-4DFB5FCE57A5}"/>
+                <a16:creationId xmlns:a16="http://schemas.microsoft.com/office/drawing/2014/main" id="{07E3CCA8-EBED-F724-9FC8-759A862B659D}"/>
               </a:ext>
             </a:extLst>
           </p:cNvPr>
@@ -1434,7 +1434,7 @@
           <p:cNvPr id="7" name="灯片编号占位符 6">
             <a:extLst>
               <a:ext uri="{FF2B5EF4-FFF2-40B4-BE49-F238E27FC236}">
-                <a16:creationId xmlns:a16="http://schemas.microsoft.com/office/drawing/2014/main" id="{45AD53F2-F93C-3331-64D1-E5C238A88AA0}"/>
+                <a16:creationId xmlns:a16="http://schemas.microsoft.com/office/drawing/2014/main" id="{48A29914-B5AE-2EA2-74D6-33D6C7DFB8FE}"/>
               </a:ext>
             </a:extLst>
           </p:cNvPr>
@@ -1450,7 +1450,7 @@
           <a:bodyPr/>
           <a:lstStyle/>
           <a:p>
-            <a:fld id="{768202D6-2CBD-4905-BDB6-B947C81D4F40}" type="slidenum">
+            <a:fld id="{8D63121D-EE7D-4CB5-98EB-04417299F753}" type="slidenum">
               <a:rPr lang="zh-CN" altLang="en-US" smtClean="0"/>
               <a:t>‹#›</a:t>
             </a:fld>
@@ -1461,7 +1461,7 @@
     </p:spTree>
     <p:extLst>
       <p:ext uri="{BB962C8B-B14F-4D97-AF65-F5344CB8AC3E}">
-        <p14:creationId xmlns:p14="http://schemas.microsoft.com/office/powerpoint/2010/main" val="1167329192"/>
+        <p14:creationId xmlns:p14="http://schemas.microsoft.com/office/powerpoint/2010/main" val="3781859707"/>
       </p:ext>
     </p:extLst>
   </p:cSld>
@@ -1493,7 +1493,7 @@
           <p:cNvPr id="2" name="标题 1">
             <a:extLst>
               <a:ext uri="{FF2B5EF4-FFF2-40B4-BE49-F238E27FC236}">
-                <a16:creationId xmlns:a16="http://schemas.microsoft.com/office/drawing/2014/main" id="{7708E675-C9BC-D1CE-AD98-EB2661C65528}"/>
+                <a16:creationId xmlns:a16="http://schemas.microsoft.com/office/drawing/2014/main" id="{A167A005-18BF-B942-EDF9-E6F69A5C5D2B}"/>
               </a:ext>
             </a:extLst>
           </p:cNvPr>
@@ -1526,7 +1526,7 @@
           <p:cNvPr id="3" name="文本占位符 2">
             <a:extLst>
               <a:ext uri="{FF2B5EF4-FFF2-40B4-BE49-F238E27FC236}">
-                <a16:creationId xmlns:a16="http://schemas.microsoft.com/office/drawing/2014/main" id="{F7330998-019F-65B5-E3AB-E5635E7AEEFB}"/>
+                <a16:creationId xmlns:a16="http://schemas.microsoft.com/office/drawing/2014/main" id="{2962C843-6D0B-C1C0-CE1A-A296738B18D8}"/>
               </a:ext>
             </a:extLst>
           </p:cNvPr>
@@ -1597,7 +1597,7 @@
           <p:cNvPr id="4" name="内容占位符 3">
             <a:extLst>
               <a:ext uri="{FF2B5EF4-FFF2-40B4-BE49-F238E27FC236}">
-                <a16:creationId xmlns:a16="http://schemas.microsoft.com/office/drawing/2014/main" id="{7687C4C7-6A90-5FDB-6B94-119994BDB4F1}"/>
+                <a16:creationId xmlns:a16="http://schemas.microsoft.com/office/drawing/2014/main" id="{5046FFAB-4A30-AABC-45A2-1463DD05D77B}"/>
               </a:ext>
             </a:extLst>
           </p:cNvPr>
@@ -1659,7 +1659,7 @@
           <p:cNvPr id="5" name="文本占位符 4">
             <a:extLst>
               <a:ext uri="{FF2B5EF4-FFF2-40B4-BE49-F238E27FC236}">
-                <a16:creationId xmlns:a16="http://schemas.microsoft.com/office/drawing/2014/main" id="{3218EC7A-4AD6-1D7F-B44A-9813CA4AE52D}"/>
+                <a16:creationId xmlns:a16="http://schemas.microsoft.com/office/drawing/2014/main" id="{4937DB86-0907-EA3E-49B1-EDB348A82837}"/>
               </a:ext>
             </a:extLst>
           </p:cNvPr>
@@ -1730,7 +1730,7 @@
           <p:cNvPr id="6" name="内容占位符 5">
             <a:extLst>
               <a:ext uri="{FF2B5EF4-FFF2-40B4-BE49-F238E27FC236}">
-                <a16:creationId xmlns:a16="http://schemas.microsoft.com/office/drawing/2014/main" id="{9C71FBD3-ED84-8A81-4C13-3E9935E86AB3}"/>
+                <a16:creationId xmlns:a16="http://schemas.microsoft.com/office/drawing/2014/main" id="{3EDACF81-2D11-2A9B-6D11-9B042A298983}"/>
               </a:ext>
             </a:extLst>
           </p:cNvPr>
@@ -1792,7 +1792,7 @@
           <p:cNvPr id="7" name="日期占位符 6">
             <a:extLst>
               <a:ext uri="{FF2B5EF4-FFF2-40B4-BE49-F238E27FC236}">
-                <a16:creationId xmlns:a16="http://schemas.microsoft.com/office/drawing/2014/main" id="{EDFD0A2E-44ED-6914-752F-6A0397EE7D67}"/>
+                <a16:creationId xmlns:a16="http://schemas.microsoft.com/office/drawing/2014/main" id="{F7D2961D-91E7-4FB5-A36F-34D84E432799}"/>
               </a:ext>
             </a:extLst>
           </p:cNvPr>
@@ -1808,7 +1808,7 @@
           <a:bodyPr/>
           <a:lstStyle/>
           <a:p>
-            <a:fld id="{BA7720A2-1A0B-479A-84E8-E412804A79B9}" type="datetimeFigureOut">
+            <a:fld id="{441F38B8-6DD3-4FEB-8382-719EC25CAAB8}" type="datetimeFigureOut">
               <a:rPr lang="zh-CN" altLang="en-US" smtClean="0"/>
               <a:t>2024/3/10</a:t>
             </a:fld>
@@ -1821,7 +1821,7 @@
           <p:cNvPr id="8" name="页脚占位符 7">
             <a:extLst>
               <a:ext uri="{FF2B5EF4-FFF2-40B4-BE49-F238E27FC236}">
-                <a16:creationId xmlns:a16="http://schemas.microsoft.com/office/drawing/2014/main" id="{5E047C27-28F0-B64F-B0B8-B1BD6172BA5E}"/>
+                <a16:creationId xmlns:a16="http://schemas.microsoft.com/office/drawing/2014/main" id="{64C0BBAC-91E0-7D49-1DCC-EFBA1C2D23EE}"/>
               </a:ext>
             </a:extLst>
           </p:cNvPr>
@@ -1846,7 +1846,7 @@
           <p:cNvPr id="9" name="灯片编号占位符 8">
             <a:extLst>
               <a:ext uri="{FF2B5EF4-FFF2-40B4-BE49-F238E27FC236}">
-                <a16:creationId xmlns:a16="http://schemas.microsoft.com/office/drawing/2014/main" id="{DDEFEDDC-14A6-AB62-5E5E-3406A739E75E}"/>
+                <a16:creationId xmlns:a16="http://schemas.microsoft.com/office/drawing/2014/main" id="{52936FC3-096F-6846-6F5A-E13D63AC3DA9}"/>
               </a:ext>
             </a:extLst>
           </p:cNvPr>
@@ -1862,7 +1862,7 @@
           <a:bodyPr/>
           <a:lstStyle/>
           <a:p>
-            <a:fld id="{768202D6-2CBD-4905-BDB6-B947C81D4F40}" type="slidenum">
+            <a:fld id="{8D63121D-EE7D-4CB5-98EB-04417299F753}" type="slidenum">
               <a:rPr lang="zh-CN" altLang="en-US" smtClean="0"/>
               <a:t>‹#›</a:t>
             </a:fld>
@@ -1873,7 +1873,7 @@
     </p:spTree>
     <p:extLst>
       <p:ext uri="{BB962C8B-B14F-4D97-AF65-F5344CB8AC3E}">
-        <p14:creationId xmlns:p14="http://schemas.microsoft.com/office/powerpoint/2010/main" val="2991927068"/>
+        <p14:creationId xmlns:p14="http://schemas.microsoft.com/office/powerpoint/2010/main" val="945950732"/>
       </p:ext>
     </p:extLst>
   </p:cSld>
@@ -1905,7 +1905,7 @@
           <p:cNvPr id="2" name="标题 1">
             <a:extLst>
               <a:ext uri="{FF2B5EF4-FFF2-40B4-BE49-F238E27FC236}">
-                <a16:creationId xmlns:a16="http://schemas.microsoft.com/office/drawing/2014/main" id="{9D1DB6AB-27E6-133D-6915-9A88A3190C0D}"/>
+                <a16:creationId xmlns:a16="http://schemas.microsoft.com/office/drawing/2014/main" id="{1F9BCC38-1816-6D23-DC80-6D200905070B}"/>
               </a:ext>
             </a:extLst>
           </p:cNvPr>
@@ -1933,7 +1933,7 @@
           <p:cNvPr id="3" name="日期占位符 2">
             <a:extLst>
               <a:ext uri="{FF2B5EF4-FFF2-40B4-BE49-F238E27FC236}">
-                <a16:creationId xmlns:a16="http://schemas.microsoft.com/office/drawing/2014/main" id="{27F72D4D-9BA0-57BA-3E4C-802DA41968FB}"/>
+                <a16:creationId xmlns:a16="http://schemas.microsoft.com/office/drawing/2014/main" id="{00479056-9B22-A6D0-057A-4C0AD28C7F7D}"/>
               </a:ext>
             </a:extLst>
           </p:cNvPr>
@@ -1949,7 +1949,7 @@
           <a:bodyPr/>
           <a:lstStyle/>
           <a:p>
-            <a:fld id="{BA7720A2-1A0B-479A-84E8-E412804A79B9}" type="datetimeFigureOut">
+            <a:fld id="{441F38B8-6DD3-4FEB-8382-719EC25CAAB8}" type="datetimeFigureOut">
               <a:rPr lang="zh-CN" altLang="en-US" smtClean="0"/>
               <a:t>2024/3/10</a:t>
             </a:fld>
@@ -1962,7 +1962,7 @@
           <p:cNvPr id="4" name="页脚占位符 3">
             <a:extLst>
               <a:ext uri="{FF2B5EF4-FFF2-40B4-BE49-F238E27FC236}">
-                <a16:creationId xmlns:a16="http://schemas.microsoft.com/office/drawing/2014/main" id="{C8002CBE-D260-C3E3-9D45-3DF070B0BADC}"/>
+                <a16:creationId xmlns:a16="http://schemas.microsoft.com/office/drawing/2014/main" id="{368E3E94-7E98-7546-8600-C8AEC6BA8626}"/>
               </a:ext>
             </a:extLst>
           </p:cNvPr>
@@ -1987,7 +1987,7 @@
           <p:cNvPr id="5" name="灯片编号占位符 4">
             <a:extLst>
               <a:ext uri="{FF2B5EF4-FFF2-40B4-BE49-F238E27FC236}">
-                <a16:creationId xmlns:a16="http://schemas.microsoft.com/office/drawing/2014/main" id="{FB74C915-A761-4D1A-AEAC-24203C0438F5}"/>
+                <a16:creationId xmlns:a16="http://schemas.microsoft.com/office/drawing/2014/main" id="{E2BBD8C5-1B8F-0C71-9F1B-62BF4660C137}"/>
               </a:ext>
             </a:extLst>
           </p:cNvPr>
@@ -2003,7 +2003,7 @@
           <a:bodyPr/>
           <a:lstStyle/>
           <a:p>
-            <a:fld id="{768202D6-2CBD-4905-BDB6-B947C81D4F40}" type="slidenum">
+            <a:fld id="{8D63121D-EE7D-4CB5-98EB-04417299F753}" type="slidenum">
               <a:rPr lang="zh-CN" altLang="en-US" smtClean="0"/>
               <a:t>‹#›</a:t>
             </a:fld>
@@ -2014,7 +2014,7 @@
     </p:spTree>
     <p:extLst>
       <p:ext uri="{BB962C8B-B14F-4D97-AF65-F5344CB8AC3E}">
-        <p14:creationId xmlns:p14="http://schemas.microsoft.com/office/powerpoint/2010/main" val="1783046321"/>
+        <p14:creationId xmlns:p14="http://schemas.microsoft.com/office/powerpoint/2010/main" val="1539615685"/>
       </p:ext>
     </p:extLst>
   </p:cSld>
@@ -2046,7 +2046,7 @@
           <p:cNvPr id="2" name="日期占位符 1">
             <a:extLst>
               <a:ext uri="{FF2B5EF4-FFF2-40B4-BE49-F238E27FC236}">
-                <a16:creationId xmlns:a16="http://schemas.microsoft.com/office/drawing/2014/main" id="{38C5E884-D384-4C6D-ED00-22D7581ADEFF}"/>
+                <a16:creationId xmlns:a16="http://schemas.microsoft.com/office/drawing/2014/main" id="{2925D4F8-C576-F697-6178-9281D77049AD}"/>
               </a:ext>
             </a:extLst>
           </p:cNvPr>
@@ -2062,7 +2062,7 @@
           <a:bodyPr/>
           <a:lstStyle/>
           <a:p>
-            <a:fld id="{BA7720A2-1A0B-479A-84E8-E412804A79B9}" type="datetimeFigureOut">
+            <a:fld id="{441F38B8-6DD3-4FEB-8382-719EC25CAAB8}" type="datetimeFigureOut">
               <a:rPr lang="zh-CN" altLang="en-US" smtClean="0"/>
               <a:t>2024/3/10</a:t>
             </a:fld>
@@ -2075,7 +2075,7 @@
           <p:cNvPr id="3" name="页脚占位符 2">
             <a:extLst>
               <a:ext uri="{FF2B5EF4-FFF2-40B4-BE49-F238E27FC236}">
-                <a16:creationId xmlns:a16="http://schemas.microsoft.com/office/drawing/2014/main" id="{530BA7C1-3DA1-31F7-3BFA-37B01F4E9CC0}"/>
+                <a16:creationId xmlns:a16="http://schemas.microsoft.com/office/drawing/2014/main" id="{3DEF26FE-437F-1BA7-CE64-63DEF48822CB}"/>
               </a:ext>
             </a:extLst>
           </p:cNvPr>
@@ -2100,7 +2100,7 @@
           <p:cNvPr id="4" name="灯片编号占位符 3">
             <a:extLst>
               <a:ext uri="{FF2B5EF4-FFF2-40B4-BE49-F238E27FC236}">
-                <a16:creationId xmlns:a16="http://schemas.microsoft.com/office/drawing/2014/main" id="{8C44C7D6-5FEF-5399-EE9A-5369870BDBB6}"/>
+                <a16:creationId xmlns:a16="http://schemas.microsoft.com/office/drawing/2014/main" id="{50CA051A-BB62-6232-15D4-F059D75F849C}"/>
               </a:ext>
             </a:extLst>
           </p:cNvPr>
@@ -2116,7 +2116,7 @@
           <a:bodyPr/>
           <a:lstStyle/>
           <a:p>
-            <a:fld id="{768202D6-2CBD-4905-BDB6-B947C81D4F40}" type="slidenum">
+            <a:fld id="{8D63121D-EE7D-4CB5-98EB-04417299F753}" type="slidenum">
               <a:rPr lang="zh-CN" altLang="en-US" smtClean="0"/>
               <a:t>‹#›</a:t>
             </a:fld>
@@ -2127,7 +2127,7 @@
     </p:spTree>
     <p:extLst>
       <p:ext uri="{BB962C8B-B14F-4D97-AF65-F5344CB8AC3E}">
-        <p14:creationId xmlns:p14="http://schemas.microsoft.com/office/powerpoint/2010/main" val="350128189"/>
+        <p14:creationId xmlns:p14="http://schemas.microsoft.com/office/powerpoint/2010/main" val="2204951333"/>
       </p:ext>
     </p:extLst>
   </p:cSld>
@@ -2159,7 +2159,7 @@
           <p:cNvPr id="2" name="标题 1">
             <a:extLst>
               <a:ext uri="{FF2B5EF4-FFF2-40B4-BE49-F238E27FC236}">
-                <a16:creationId xmlns:a16="http://schemas.microsoft.com/office/drawing/2014/main" id="{08BF2C19-A1D4-C2C2-8496-8AC40495C11D}"/>
+                <a16:creationId xmlns:a16="http://schemas.microsoft.com/office/drawing/2014/main" id="{D19AAAB1-6ED7-D414-3516-F43F6F676B7C}"/>
               </a:ext>
             </a:extLst>
           </p:cNvPr>
@@ -2196,7 +2196,7 @@
           <p:cNvPr id="3" name="内容占位符 2">
             <a:extLst>
               <a:ext uri="{FF2B5EF4-FFF2-40B4-BE49-F238E27FC236}">
-                <a16:creationId xmlns:a16="http://schemas.microsoft.com/office/drawing/2014/main" id="{4EE9D5DC-FA71-B741-0D2D-32871D812011}"/>
+                <a16:creationId xmlns:a16="http://schemas.microsoft.com/office/drawing/2014/main" id="{22D4CBB2-85D6-3342-345F-3C9C3291947F}"/>
               </a:ext>
             </a:extLst>
           </p:cNvPr>
@@ -2286,7 +2286,7 @@
           <p:cNvPr id="4" name="文本占位符 3">
             <a:extLst>
               <a:ext uri="{FF2B5EF4-FFF2-40B4-BE49-F238E27FC236}">
-                <a16:creationId xmlns:a16="http://schemas.microsoft.com/office/drawing/2014/main" id="{9F1CD03C-2725-DD1D-F2F4-8C75A92F8B1B}"/>
+                <a16:creationId xmlns:a16="http://schemas.microsoft.com/office/drawing/2014/main" id="{F86348F8-5603-243C-BDAF-4046B2745AA0}"/>
               </a:ext>
             </a:extLst>
           </p:cNvPr>
@@ -2357,7 +2357,7 @@
           <p:cNvPr id="5" name="日期占位符 4">
             <a:extLst>
               <a:ext uri="{FF2B5EF4-FFF2-40B4-BE49-F238E27FC236}">
-                <a16:creationId xmlns:a16="http://schemas.microsoft.com/office/drawing/2014/main" id="{5458C617-5F07-7CBE-1F5D-083A718314DF}"/>
+                <a16:creationId xmlns:a16="http://schemas.microsoft.com/office/drawing/2014/main" id="{4D047750-E90A-C4EE-8F06-6AA65E09C6BA}"/>
               </a:ext>
             </a:extLst>
           </p:cNvPr>
@@ -2373,7 +2373,7 @@
           <a:bodyPr/>
           <a:lstStyle/>
           <a:p>
-            <a:fld id="{BA7720A2-1A0B-479A-84E8-E412804A79B9}" type="datetimeFigureOut">
+            <a:fld id="{441F38B8-6DD3-4FEB-8382-719EC25CAAB8}" type="datetimeFigureOut">
               <a:rPr lang="zh-CN" altLang="en-US" smtClean="0"/>
               <a:t>2024/3/10</a:t>
             </a:fld>
@@ -2386,7 +2386,7 @@
           <p:cNvPr id="6" name="页脚占位符 5">
             <a:extLst>
               <a:ext uri="{FF2B5EF4-FFF2-40B4-BE49-F238E27FC236}">
-                <a16:creationId xmlns:a16="http://schemas.microsoft.com/office/drawing/2014/main" id="{8BD4C171-4057-A730-2A07-D65457359F11}"/>
+                <a16:creationId xmlns:a16="http://schemas.microsoft.com/office/drawing/2014/main" id="{FD0997FC-70F9-E44D-31FC-F6A4A7D17175}"/>
               </a:ext>
             </a:extLst>
           </p:cNvPr>
@@ -2411,7 +2411,7 @@
           <p:cNvPr id="7" name="灯片编号占位符 6">
             <a:extLst>
               <a:ext uri="{FF2B5EF4-FFF2-40B4-BE49-F238E27FC236}">
-                <a16:creationId xmlns:a16="http://schemas.microsoft.com/office/drawing/2014/main" id="{E0CBCC57-1729-E581-2585-B077990F5FD1}"/>
+                <a16:creationId xmlns:a16="http://schemas.microsoft.com/office/drawing/2014/main" id="{F830E920-F938-5012-5037-48F126300653}"/>
               </a:ext>
             </a:extLst>
           </p:cNvPr>
@@ -2427,7 +2427,7 @@
           <a:bodyPr/>
           <a:lstStyle/>
           <a:p>
-            <a:fld id="{768202D6-2CBD-4905-BDB6-B947C81D4F40}" type="slidenum">
+            <a:fld id="{8D63121D-EE7D-4CB5-98EB-04417299F753}" type="slidenum">
               <a:rPr lang="zh-CN" altLang="en-US" smtClean="0"/>
               <a:t>‹#›</a:t>
             </a:fld>
@@ -2438,7 +2438,7 @@
     </p:spTree>
     <p:extLst>
       <p:ext uri="{BB962C8B-B14F-4D97-AF65-F5344CB8AC3E}">
-        <p14:creationId xmlns:p14="http://schemas.microsoft.com/office/powerpoint/2010/main" val="3296723729"/>
+        <p14:creationId xmlns:p14="http://schemas.microsoft.com/office/powerpoint/2010/main" val="3319161285"/>
       </p:ext>
     </p:extLst>
   </p:cSld>
@@ -2470,7 +2470,7 @@
           <p:cNvPr id="2" name="标题 1">
             <a:extLst>
               <a:ext uri="{FF2B5EF4-FFF2-40B4-BE49-F238E27FC236}">
-                <a16:creationId xmlns:a16="http://schemas.microsoft.com/office/drawing/2014/main" id="{906AFED1-B91A-7A44-7ACE-4265BDF90F0B}"/>
+                <a16:creationId xmlns:a16="http://schemas.microsoft.com/office/drawing/2014/main" id="{D99CF095-1D1F-9B6B-8E39-255C465E2175}"/>
               </a:ext>
             </a:extLst>
           </p:cNvPr>
@@ -2507,7 +2507,7 @@
           <p:cNvPr id="3" name="图片占位符 2">
             <a:extLst>
               <a:ext uri="{FF2B5EF4-FFF2-40B4-BE49-F238E27FC236}">
-                <a16:creationId xmlns:a16="http://schemas.microsoft.com/office/drawing/2014/main" id="{6D8D75A3-F5E3-F2F8-828D-4EA2B1600125}"/>
+                <a16:creationId xmlns:a16="http://schemas.microsoft.com/office/drawing/2014/main" id="{BA81C557-A740-DA15-EECF-EC4BB8B607B9}"/>
               </a:ext>
             </a:extLst>
           </p:cNvPr>
@@ -2574,7 +2574,7 @@
           <p:cNvPr id="4" name="文本占位符 3">
             <a:extLst>
               <a:ext uri="{FF2B5EF4-FFF2-40B4-BE49-F238E27FC236}">
-                <a16:creationId xmlns:a16="http://schemas.microsoft.com/office/drawing/2014/main" id="{96905DA2-6392-F4C3-39B4-284138AB7CBD}"/>
+                <a16:creationId xmlns:a16="http://schemas.microsoft.com/office/drawing/2014/main" id="{3E7C1C78-4B9D-F1B6-9D70-BCA50AA23CF4}"/>
               </a:ext>
             </a:extLst>
           </p:cNvPr>
@@ -2645,7 +2645,7 @@
           <p:cNvPr id="5" name="日期占位符 4">
             <a:extLst>
               <a:ext uri="{FF2B5EF4-FFF2-40B4-BE49-F238E27FC236}">
-                <a16:creationId xmlns:a16="http://schemas.microsoft.com/office/drawing/2014/main" id="{AE46E042-745C-4AF2-5D98-F46F0EA3BBD6}"/>
+                <a16:creationId xmlns:a16="http://schemas.microsoft.com/office/drawing/2014/main" id="{834E916D-E13D-9570-DE6E-703E198328E2}"/>
               </a:ext>
             </a:extLst>
           </p:cNvPr>
@@ -2661,7 +2661,7 @@
           <a:bodyPr/>
           <a:lstStyle/>
           <a:p>
-            <a:fld id="{BA7720A2-1A0B-479A-84E8-E412804A79B9}" type="datetimeFigureOut">
+            <a:fld id="{441F38B8-6DD3-4FEB-8382-719EC25CAAB8}" type="datetimeFigureOut">
               <a:rPr lang="zh-CN" altLang="en-US" smtClean="0"/>
               <a:t>2024/3/10</a:t>
             </a:fld>
@@ -2674,7 +2674,7 @@
           <p:cNvPr id="6" name="页脚占位符 5">
             <a:extLst>
               <a:ext uri="{FF2B5EF4-FFF2-40B4-BE49-F238E27FC236}">
-                <a16:creationId xmlns:a16="http://schemas.microsoft.com/office/drawing/2014/main" id="{494871CD-ED68-84C6-0AAB-83578247311F}"/>
+                <a16:creationId xmlns:a16="http://schemas.microsoft.com/office/drawing/2014/main" id="{CA7DE0D9-4656-9987-585D-34A4AA731AAF}"/>
               </a:ext>
             </a:extLst>
           </p:cNvPr>
@@ -2699,7 +2699,7 @@
           <p:cNvPr id="7" name="灯片编号占位符 6">
             <a:extLst>
               <a:ext uri="{FF2B5EF4-FFF2-40B4-BE49-F238E27FC236}">
-                <a16:creationId xmlns:a16="http://schemas.microsoft.com/office/drawing/2014/main" id="{417BB2BB-4391-CCBF-D245-10B8D2EF4498}"/>
+                <a16:creationId xmlns:a16="http://schemas.microsoft.com/office/drawing/2014/main" id="{5AB7F802-D8B5-EE6D-66A6-0E851FF9667A}"/>
               </a:ext>
             </a:extLst>
           </p:cNvPr>
@@ -2715,7 +2715,7 @@
           <a:bodyPr/>
           <a:lstStyle/>
           <a:p>
-            <a:fld id="{768202D6-2CBD-4905-BDB6-B947C81D4F40}" type="slidenum">
+            <a:fld id="{8D63121D-EE7D-4CB5-98EB-04417299F753}" type="slidenum">
               <a:rPr lang="zh-CN" altLang="en-US" smtClean="0"/>
               <a:t>‹#›</a:t>
             </a:fld>
@@ -2726,7 +2726,7 @@
     </p:spTree>
     <p:extLst>
       <p:ext uri="{BB962C8B-B14F-4D97-AF65-F5344CB8AC3E}">
-        <p14:creationId xmlns:p14="http://schemas.microsoft.com/office/powerpoint/2010/main" val="511084226"/>
+        <p14:creationId xmlns:p14="http://schemas.microsoft.com/office/powerpoint/2010/main" val="3683972102"/>
       </p:ext>
     </p:extLst>
   </p:cSld>
@@ -2763,7 +2763,7 @@
           <p:cNvPr id="2" name="标题占位符 1">
             <a:extLst>
               <a:ext uri="{FF2B5EF4-FFF2-40B4-BE49-F238E27FC236}">
-                <a16:creationId xmlns:a16="http://schemas.microsoft.com/office/drawing/2014/main" id="{979B8C89-FC33-CED5-13EE-99687596696C}"/>
+                <a16:creationId xmlns:a16="http://schemas.microsoft.com/office/drawing/2014/main" id="{4BEB9CAA-7FA8-7FD9-5D6E-8A1631F025A4}"/>
               </a:ext>
             </a:extLst>
           </p:cNvPr>
@@ -2801,7 +2801,7 @@
           <p:cNvPr id="3" name="文本占位符 2">
             <a:extLst>
               <a:ext uri="{FF2B5EF4-FFF2-40B4-BE49-F238E27FC236}">
-                <a16:creationId xmlns:a16="http://schemas.microsoft.com/office/drawing/2014/main" id="{A314550B-6365-B28F-0B85-055F3571F94B}"/>
+                <a16:creationId xmlns:a16="http://schemas.microsoft.com/office/drawing/2014/main" id="{D3A6CA88-95EA-6BF0-C360-60D6AC132ABE}"/>
               </a:ext>
             </a:extLst>
           </p:cNvPr>
@@ -2868,7 +2868,7 @@
           <p:cNvPr id="4" name="日期占位符 3">
             <a:extLst>
               <a:ext uri="{FF2B5EF4-FFF2-40B4-BE49-F238E27FC236}">
-                <a16:creationId xmlns:a16="http://schemas.microsoft.com/office/drawing/2014/main" id="{F1DB3A67-E5EC-05CC-F954-8212FB231B81}"/>
+                <a16:creationId xmlns:a16="http://schemas.microsoft.com/office/drawing/2014/main" id="{607E0860-A770-40E7-F406-AED5EED2D18C}"/>
               </a:ext>
             </a:extLst>
           </p:cNvPr>
@@ -2902,7 +2902,7 @@
             </a:lvl1pPr>
           </a:lstStyle>
           <a:p>
-            <a:fld id="{BA7720A2-1A0B-479A-84E8-E412804A79B9}" type="datetimeFigureOut">
+            <a:fld id="{441F38B8-6DD3-4FEB-8382-719EC25CAAB8}" type="datetimeFigureOut">
               <a:rPr lang="zh-CN" altLang="en-US" smtClean="0"/>
               <a:t>2024/3/10</a:t>
             </a:fld>
@@ -2915,7 +2915,7 @@
           <p:cNvPr id="5" name="页脚占位符 4">
             <a:extLst>
               <a:ext uri="{FF2B5EF4-FFF2-40B4-BE49-F238E27FC236}">
-                <a16:creationId xmlns:a16="http://schemas.microsoft.com/office/drawing/2014/main" id="{3D7DA07A-33E8-163D-3C78-20AFF885CCA9}"/>
+                <a16:creationId xmlns:a16="http://schemas.microsoft.com/office/drawing/2014/main" id="{5D2E5207-EF40-B010-E139-F3030660E21F}"/>
               </a:ext>
             </a:extLst>
           </p:cNvPr>
@@ -2958,7 +2958,7 @@
           <p:cNvPr id="6" name="灯片编号占位符 5">
             <a:extLst>
               <a:ext uri="{FF2B5EF4-FFF2-40B4-BE49-F238E27FC236}">
-                <a16:creationId xmlns:a16="http://schemas.microsoft.com/office/drawing/2014/main" id="{BB79591A-C6FC-326C-A975-BF3976650471}"/>
+                <a16:creationId xmlns:a16="http://schemas.microsoft.com/office/drawing/2014/main" id="{945B2CFB-C6EB-B384-91E4-E510715B21E2}"/>
               </a:ext>
             </a:extLst>
           </p:cNvPr>
@@ -2992,7 +2992,7 @@
             </a:lvl1pPr>
           </a:lstStyle>
           <a:p>
-            <a:fld id="{768202D6-2CBD-4905-BDB6-B947C81D4F40}" type="slidenum">
+            <a:fld id="{8D63121D-EE7D-4CB5-98EB-04417299F753}" type="slidenum">
               <a:rPr lang="zh-CN" altLang="en-US" smtClean="0"/>
               <a:t>‹#›</a:t>
             </a:fld>
@@ -3003,7 +3003,7 @@
     </p:spTree>
     <p:extLst>
       <p:ext uri="{BB962C8B-B14F-4D97-AF65-F5344CB8AC3E}">
-        <p14:creationId xmlns:p14="http://schemas.microsoft.com/office/powerpoint/2010/main" val="2693705744"/>
+        <p14:creationId xmlns:p14="http://schemas.microsoft.com/office/powerpoint/2010/main" val="2904333493"/>
       </p:ext>
     </p:extLst>
   </p:cSld>
